--- a/PSU_Bennett_Family_Center_Reflection_Template.pptx
+++ b/PSU_Bennett_Family_Center_Reflection_Template.pptx
@@ -274,223 +274,220 @@
       </p:sp>
       <p:sp>
         <p:nvSpPr>
-          <p:cNvPr id="8" name="TextBox 7">
-            <a:extLst>
-              <a:ext uri="{FF2B5EF4-FFF2-40B4-BE49-F238E27FC236}">
-                <a16:creationId xmlns:a16="http://schemas.microsoft.com/office/drawing/2014/main" id="{EE0A4254-D5BC-E4D7-CDE2-2FAF2F7752E0}"/>
-              </a:ext>
-            </a:extLst>
-          </p:cNvPr>
-          <p:cNvSpPr txBox="1"/>
-          <p:nvPr userDrawn="1"/>
-        </p:nvSpPr>
-        <p:spPr>
-          <a:xfrm>
-            <a:off x="331491" y="297876"/>
-            <a:ext cx="2585563" cy="400110"/>
-          </a:xfrm>
-          <a:prstGeom prst="rect">
-            <a:avLst/>
-          </a:prstGeom>
-          <a:noFill/>
-          <a:ln>
-            <a:solidFill>
-              <a:schemeClr val="tx1"/>
-            </a:solidFill>
-          </a:ln>
-        </p:spPr>
-        <p:txBody>
-          <a:bodyPr wrap="square" rtlCol="0">
-            <a:spAutoFit/>
-          </a:bodyPr>
-          <a:lstStyle/>
-          <a:p>
+          <p:cNvPr id="9" name="Content Placeholder 2">
+            <a:extLst>
+              <a:ext uri="{FF2B5EF4-FFF2-40B4-BE49-F238E27FC236}">
+                <a16:creationId xmlns:a16="http://schemas.microsoft.com/office/drawing/2014/main" id="{80577908-5466-B2A5-D1A7-0D4D0D08F4F7}"/>
+              </a:ext>
+            </a:extLst>
+          </p:cNvPr>
+          <p:cNvSpPr>
+            <a:spLocks noGrp="1"/>
+          </p:cNvSpPr>
+          <p:nvPr>
+            <p:ph idx="11"/>
+          </p:nvPr>
+        </p:nvSpPr>
+        <p:spPr>
+          <a:xfrm>
+            <a:off x="582930" y="1179900"/>
+            <a:ext cx="2827927" cy="4246713"/>
+          </a:xfrm>
+        </p:spPr>
+        <p:txBody>
+          <a:bodyPr/>
+          <a:lstStyle/>
+          <a:p>
+            <a:endParaRPr lang="en-US" dirty="0"/>
+          </a:p>
+        </p:txBody>
+      </p:sp>
+      <p:sp>
+        <p:nvSpPr>
+          <p:cNvPr id="10" name="Content Placeholder 2">
+            <a:extLst>
+              <a:ext uri="{FF2B5EF4-FFF2-40B4-BE49-F238E27FC236}">
+                <a16:creationId xmlns:a16="http://schemas.microsoft.com/office/drawing/2014/main" id="{04F37E6F-58C5-736C-B882-001DFD00E698}"/>
+              </a:ext>
+            </a:extLst>
+          </p:cNvPr>
+          <p:cNvSpPr>
+            <a:spLocks noGrp="1"/>
+          </p:cNvSpPr>
+          <p:nvPr>
+            <p:ph idx="12"/>
+          </p:nvPr>
+        </p:nvSpPr>
+        <p:spPr>
+          <a:xfrm>
+            <a:off x="3678907" y="1179900"/>
+            <a:ext cx="3510563" cy="2059104"/>
+          </a:xfrm>
+        </p:spPr>
+        <p:txBody>
+          <a:bodyPr/>
+          <a:lstStyle/>
+          <a:p>
+            <a:endParaRPr lang="en-US" dirty="0"/>
+          </a:p>
+        </p:txBody>
+      </p:sp>
+      <p:sp>
+        <p:nvSpPr>
+          <p:cNvPr id="12" name="Content Placeholder 2">
+            <a:extLst>
+              <a:ext uri="{FF2B5EF4-FFF2-40B4-BE49-F238E27FC236}">
+                <a16:creationId xmlns:a16="http://schemas.microsoft.com/office/drawing/2014/main" id="{E3262398-4418-A70D-6642-38CA61E5F357}"/>
+              </a:ext>
+            </a:extLst>
+          </p:cNvPr>
+          <p:cNvSpPr>
+            <a:spLocks noGrp="1"/>
+          </p:cNvSpPr>
+          <p:nvPr>
+            <p:ph idx="13"/>
+          </p:nvPr>
+        </p:nvSpPr>
+        <p:spPr>
+          <a:xfrm>
+            <a:off x="3678907" y="3417982"/>
+            <a:ext cx="3510563" cy="2008631"/>
+          </a:xfrm>
+        </p:spPr>
+        <p:txBody>
+          <a:bodyPr/>
+          <a:lstStyle/>
+          <a:p>
+            <a:endParaRPr lang="en-US"/>
+          </a:p>
+        </p:txBody>
+      </p:sp>
+      <p:sp>
+        <p:nvSpPr>
+          <p:cNvPr id="15" name="Content Placeholder 2">
+            <a:extLst>
+              <a:ext uri="{FF2B5EF4-FFF2-40B4-BE49-F238E27FC236}">
+                <a16:creationId xmlns:a16="http://schemas.microsoft.com/office/drawing/2014/main" id="{52267DEE-66B8-50AB-62F8-B025EB102C22}"/>
+              </a:ext>
+            </a:extLst>
+          </p:cNvPr>
+          <p:cNvSpPr>
+            <a:spLocks noGrp="1"/>
+          </p:cNvSpPr>
+          <p:nvPr>
+            <p:ph idx="14"/>
+          </p:nvPr>
+        </p:nvSpPr>
+        <p:spPr>
+          <a:xfrm>
+            <a:off x="582930" y="5531461"/>
+            <a:ext cx="2008394" cy="1725391"/>
+          </a:xfrm>
+        </p:spPr>
+        <p:txBody>
+          <a:bodyPr/>
+          <a:lstStyle/>
+          <a:p>
+            <a:endParaRPr lang="en-US"/>
+          </a:p>
+        </p:txBody>
+      </p:sp>
+      <p:sp>
+        <p:nvSpPr>
+          <p:cNvPr id="16" name="Content Placeholder 2">
+            <a:extLst>
+              <a:ext uri="{FF2B5EF4-FFF2-40B4-BE49-F238E27FC236}">
+                <a16:creationId xmlns:a16="http://schemas.microsoft.com/office/drawing/2014/main" id="{82ECFBE9-B187-2E98-690A-A37B8232A467}"/>
+              </a:ext>
+            </a:extLst>
+          </p:cNvPr>
+          <p:cNvSpPr>
+            <a:spLocks noGrp="1"/>
+          </p:cNvSpPr>
+          <p:nvPr>
+            <p:ph idx="15"/>
+          </p:nvPr>
+        </p:nvSpPr>
+        <p:spPr>
+          <a:xfrm>
+            <a:off x="2882003" y="5531461"/>
+            <a:ext cx="2008394" cy="1725391"/>
+          </a:xfrm>
+        </p:spPr>
+        <p:txBody>
+          <a:bodyPr/>
+          <a:lstStyle/>
+          <a:p>
+            <a:endParaRPr lang="en-US"/>
+          </a:p>
+        </p:txBody>
+      </p:sp>
+      <p:sp>
+        <p:nvSpPr>
+          <p:cNvPr id="18" name="Content Placeholder 2">
+            <a:extLst>
+              <a:ext uri="{FF2B5EF4-FFF2-40B4-BE49-F238E27FC236}">
+                <a16:creationId xmlns:a16="http://schemas.microsoft.com/office/drawing/2014/main" id="{97867D69-F6A7-0B2F-3C94-61ECB22F64EE}"/>
+              </a:ext>
+            </a:extLst>
+          </p:cNvPr>
+          <p:cNvSpPr>
+            <a:spLocks noGrp="1"/>
+          </p:cNvSpPr>
+          <p:nvPr>
+            <p:ph idx="16"/>
+          </p:nvPr>
+        </p:nvSpPr>
+        <p:spPr>
+          <a:xfrm>
+            <a:off x="5181076" y="5531461"/>
+            <a:ext cx="2008394" cy="1725391"/>
+          </a:xfrm>
+        </p:spPr>
+        <p:txBody>
+          <a:bodyPr/>
+          <a:lstStyle/>
+          <a:p>
+            <a:endParaRPr lang="en-US"/>
+          </a:p>
+        </p:txBody>
+      </p:sp>
+      <p:sp>
+        <p:nvSpPr>
+          <p:cNvPr id="7" name="Text Placeholder 6">
+            <a:extLst>
+              <a:ext uri="{FF2B5EF4-FFF2-40B4-BE49-F238E27FC236}">
+                <a16:creationId xmlns:a16="http://schemas.microsoft.com/office/drawing/2014/main" id="{2E8E905D-2B76-80F8-FD7B-36A2FEC7D294}"/>
+              </a:ext>
+            </a:extLst>
+          </p:cNvPr>
+          <p:cNvSpPr>
+            <a:spLocks noGrp="1"/>
+          </p:cNvSpPr>
+          <p:nvPr>
+            <p:ph type="body" sz="quarter" idx="17" hasCustomPrompt="1"/>
+          </p:nvPr>
+        </p:nvSpPr>
+        <p:spPr>
+          <a:xfrm>
+            <a:off x="582612" y="298450"/>
+            <a:ext cx="4003901" cy="485775"/>
+          </a:xfrm>
+        </p:spPr>
+        <p:txBody>
+          <a:bodyPr/>
+          <a:lstStyle>
+            <a:lvl1pPr marL="0" indent="0">
+              <a:buNone/>
+              <a:defRPr/>
+            </a:lvl1pPr>
+          </a:lstStyle>
+          <a:p>
+            <a:pPr lvl="0"/>
             <a:r>
-              <a:rPr lang="en-US" sz="2000" dirty="0">
-                <a:latin typeface="Arial Rounded MT Bold" panose="020F0704030504030204" pitchFamily="34" charset="77"/>
-              </a:rPr>
+              <a:rPr lang="en-US" dirty="0"/>
               <a:t>Classroom Name</a:t>
             </a:r>
-          </a:p>
-        </p:txBody>
-      </p:sp>
-      <p:sp>
-        <p:nvSpPr>
-          <p:cNvPr id="9" name="Content Placeholder 2">
-            <a:extLst>
-              <a:ext uri="{FF2B5EF4-FFF2-40B4-BE49-F238E27FC236}">
-                <a16:creationId xmlns:a16="http://schemas.microsoft.com/office/drawing/2014/main" id="{80577908-5466-B2A5-D1A7-0D4D0D08F4F7}"/>
-              </a:ext>
-            </a:extLst>
-          </p:cNvPr>
-          <p:cNvSpPr>
-            <a:spLocks noGrp="1"/>
-          </p:cNvSpPr>
-          <p:nvPr>
-            <p:ph idx="11"/>
-          </p:nvPr>
-        </p:nvSpPr>
-        <p:spPr>
-          <a:xfrm>
-            <a:off x="582930" y="1179900"/>
-            <a:ext cx="2827927" cy="4246713"/>
-          </a:xfrm>
-        </p:spPr>
-        <p:txBody>
-          <a:bodyPr/>
-          <a:lstStyle/>
-          <a:p>
-            <a:endParaRPr lang="en-US" dirty="0"/>
-          </a:p>
-        </p:txBody>
-      </p:sp>
-      <p:sp>
-        <p:nvSpPr>
-          <p:cNvPr id="10" name="Content Placeholder 2">
-            <a:extLst>
-              <a:ext uri="{FF2B5EF4-FFF2-40B4-BE49-F238E27FC236}">
-                <a16:creationId xmlns:a16="http://schemas.microsoft.com/office/drawing/2014/main" id="{04F37E6F-58C5-736C-B882-001DFD00E698}"/>
-              </a:ext>
-            </a:extLst>
-          </p:cNvPr>
-          <p:cNvSpPr>
-            <a:spLocks noGrp="1"/>
-          </p:cNvSpPr>
-          <p:nvPr>
-            <p:ph idx="12"/>
-          </p:nvPr>
-        </p:nvSpPr>
-        <p:spPr>
-          <a:xfrm>
-            <a:off x="3678907" y="1179900"/>
-            <a:ext cx="3510563" cy="2059104"/>
-          </a:xfrm>
-        </p:spPr>
-        <p:txBody>
-          <a:bodyPr/>
-          <a:lstStyle/>
-          <a:p>
-            <a:endParaRPr lang="en-US" dirty="0"/>
-          </a:p>
-        </p:txBody>
-      </p:sp>
-      <p:sp>
-        <p:nvSpPr>
-          <p:cNvPr id="12" name="Content Placeholder 2">
-            <a:extLst>
-              <a:ext uri="{FF2B5EF4-FFF2-40B4-BE49-F238E27FC236}">
-                <a16:creationId xmlns:a16="http://schemas.microsoft.com/office/drawing/2014/main" id="{E3262398-4418-A70D-6642-38CA61E5F357}"/>
-              </a:ext>
-            </a:extLst>
-          </p:cNvPr>
-          <p:cNvSpPr>
-            <a:spLocks noGrp="1"/>
-          </p:cNvSpPr>
-          <p:nvPr>
-            <p:ph idx="13"/>
-          </p:nvPr>
-        </p:nvSpPr>
-        <p:spPr>
-          <a:xfrm>
-            <a:off x="3678907" y="3417982"/>
-            <a:ext cx="3510563" cy="2008631"/>
-          </a:xfrm>
-        </p:spPr>
-        <p:txBody>
-          <a:bodyPr/>
-          <a:lstStyle/>
-          <a:p>
-            <a:endParaRPr lang="en-US"/>
-          </a:p>
-        </p:txBody>
-      </p:sp>
-      <p:sp>
-        <p:nvSpPr>
-          <p:cNvPr id="15" name="Content Placeholder 2">
-            <a:extLst>
-              <a:ext uri="{FF2B5EF4-FFF2-40B4-BE49-F238E27FC236}">
-                <a16:creationId xmlns:a16="http://schemas.microsoft.com/office/drawing/2014/main" id="{52267DEE-66B8-50AB-62F8-B025EB102C22}"/>
-              </a:ext>
-            </a:extLst>
-          </p:cNvPr>
-          <p:cNvSpPr>
-            <a:spLocks noGrp="1"/>
-          </p:cNvSpPr>
-          <p:nvPr>
-            <p:ph idx="14"/>
-          </p:nvPr>
-        </p:nvSpPr>
-        <p:spPr>
-          <a:xfrm>
-            <a:off x="582930" y="5531461"/>
-            <a:ext cx="2008394" cy="1725391"/>
-          </a:xfrm>
-        </p:spPr>
-        <p:txBody>
-          <a:bodyPr/>
-          <a:lstStyle/>
-          <a:p>
-            <a:endParaRPr lang="en-US"/>
-          </a:p>
-        </p:txBody>
-      </p:sp>
-      <p:sp>
-        <p:nvSpPr>
-          <p:cNvPr id="16" name="Content Placeholder 2">
-            <a:extLst>
-              <a:ext uri="{FF2B5EF4-FFF2-40B4-BE49-F238E27FC236}">
-                <a16:creationId xmlns:a16="http://schemas.microsoft.com/office/drawing/2014/main" id="{82ECFBE9-B187-2E98-690A-A37B8232A467}"/>
-              </a:ext>
-            </a:extLst>
-          </p:cNvPr>
-          <p:cNvSpPr>
-            <a:spLocks noGrp="1"/>
-          </p:cNvSpPr>
-          <p:nvPr>
-            <p:ph idx="15"/>
-          </p:nvPr>
-        </p:nvSpPr>
-        <p:spPr>
-          <a:xfrm>
-            <a:off x="2882003" y="5531461"/>
-            <a:ext cx="2008394" cy="1725391"/>
-          </a:xfrm>
-        </p:spPr>
-        <p:txBody>
-          <a:bodyPr/>
-          <a:lstStyle/>
-          <a:p>
-            <a:endParaRPr lang="en-US"/>
-          </a:p>
-        </p:txBody>
-      </p:sp>
-      <p:sp>
-        <p:nvSpPr>
-          <p:cNvPr id="18" name="Content Placeholder 2">
-            <a:extLst>
-              <a:ext uri="{FF2B5EF4-FFF2-40B4-BE49-F238E27FC236}">
-                <a16:creationId xmlns:a16="http://schemas.microsoft.com/office/drawing/2014/main" id="{97867D69-F6A7-0B2F-3C94-61ECB22F64EE}"/>
-              </a:ext>
-            </a:extLst>
-          </p:cNvPr>
-          <p:cNvSpPr>
-            <a:spLocks noGrp="1"/>
-          </p:cNvSpPr>
-          <p:nvPr>
-            <p:ph idx="16"/>
-          </p:nvPr>
-        </p:nvSpPr>
-        <p:spPr>
-          <a:xfrm>
-            <a:off x="5181076" y="5531461"/>
-            <a:ext cx="2008394" cy="1725391"/>
-          </a:xfrm>
-        </p:spPr>
-        <p:txBody>
-          <a:bodyPr/>
-          <a:lstStyle/>
-          <a:p>
-            <a:endParaRPr lang="en-US"/>
           </a:p>
         </p:txBody>
       </p:sp>
@@ -667,163 +664,160 @@
       </p:sp>
       <p:sp>
         <p:nvSpPr>
-          <p:cNvPr id="8" name="TextBox 7">
-            <a:extLst>
-              <a:ext uri="{FF2B5EF4-FFF2-40B4-BE49-F238E27FC236}">
-                <a16:creationId xmlns:a16="http://schemas.microsoft.com/office/drawing/2014/main" id="{EE0A4254-D5BC-E4D7-CDE2-2FAF2F7752E0}"/>
-              </a:ext>
-            </a:extLst>
-          </p:cNvPr>
-          <p:cNvSpPr txBox="1"/>
-          <p:nvPr userDrawn="1"/>
-        </p:nvSpPr>
-        <p:spPr>
-          <a:xfrm>
-            <a:off x="331491" y="297876"/>
-            <a:ext cx="2585563" cy="400110"/>
-          </a:xfrm>
-          <a:prstGeom prst="rect">
-            <a:avLst/>
-          </a:prstGeom>
-          <a:noFill/>
-          <a:ln>
-            <a:solidFill>
-              <a:schemeClr val="tx1"/>
-            </a:solidFill>
-          </a:ln>
-        </p:spPr>
-        <p:txBody>
-          <a:bodyPr wrap="square" rtlCol="0">
-            <a:spAutoFit/>
-          </a:bodyPr>
-          <a:lstStyle/>
-          <a:p>
+          <p:cNvPr id="9" name="Content Placeholder 2">
+            <a:extLst>
+              <a:ext uri="{FF2B5EF4-FFF2-40B4-BE49-F238E27FC236}">
+                <a16:creationId xmlns:a16="http://schemas.microsoft.com/office/drawing/2014/main" id="{80577908-5466-B2A5-D1A7-0D4D0D08F4F7}"/>
+              </a:ext>
+            </a:extLst>
+          </p:cNvPr>
+          <p:cNvSpPr>
+            <a:spLocks noGrp="1"/>
+          </p:cNvSpPr>
+          <p:nvPr>
+            <p:ph idx="11"/>
+          </p:nvPr>
+        </p:nvSpPr>
+        <p:spPr>
+          <a:xfrm>
+            <a:off x="582930" y="3923101"/>
+            <a:ext cx="3147241" cy="2738956"/>
+          </a:xfrm>
+        </p:spPr>
+        <p:txBody>
+          <a:bodyPr/>
+          <a:lstStyle/>
+          <a:p>
+            <a:endParaRPr lang="en-US" dirty="0"/>
+          </a:p>
+        </p:txBody>
+      </p:sp>
+      <p:sp>
+        <p:nvSpPr>
+          <p:cNvPr id="5" name="Content Placeholder 2">
+            <a:extLst>
+              <a:ext uri="{FF2B5EF4-FFF2-40B4-BE49-F238E27FC236}">
+                <a16:creationId xmlns:a16="http://schemas.microsoft.com/office/drawing/2014/main" id="{4A8E37A1-963E-7C0F-F9D1-D28C3DF8538E}"/>
+              </a:ext>
+            </a:extLst>
+          </p:cNvPr>
+          <p:cNvSpPr>
+            <a:spLocks noGrp="1"/>
+          </p:cNvSpPr>
+          <p:nvPr>
+            <p:ph idx="12"/>
+          </p:nvPr>
+        </p:nvSpPr>
+        <p:spPr>
+          <a:xfrm>
+            <a:off x="4042231" y="3923101"/>
+            <a:ext cx="3147241" cy="2738956"/>
+          </a:xfrm>
+        </p:spPr>
+        <p:txBody>
+          <a:bodyPr/>
+          <a:lstStyle/>
+          <a:p>
+            <a:endParaRPr lang="en-US" dirty="0"/>
+          </a:p>
+        </p:txBody>
+      </p:sp>
+      <p:sp>
+        <p:nvSpPr>
+          <p:cNvPr id="6" name="Content Placeholder 2">
+            <a:extLst>
+              <a:ext uri="{FF2B5EF4-FFF2-40B4-BE49-F238E27FC236}">
+                <a16:creationId xmlns:a16="http://schemas.microsoft.com/office/drawing/2014/main" id="{DE3313E0-7791-8AE2-3ABE-CEF2301B75B2}"/>
+              </a:ext>
+            </a:extLst>
+          </p:cNvPr>
+          <p:cNvSpPr>
+            <a:spLocks noGrp="1"/>
+          </p:cNvSpPr>
+          <p:nvPr>
+            <p:ph idx="13"/>
+          </p:nvPr>
+        </p:nvSpPr>
+        <p:spPr>
+          <a:xfrm>
+            <a:off x="582930" y="6788002"/>
+            <a:ext cx="3147241" cy="2738956"/>
+          </a:xfrm>
+        </p:spPr>
+        <p:txBody>
+          <a:bodyPr/>
+          <a:lstStyle/>
+          <a:p>
+            <a:endParaRPr lang="en-US" dirty="0"/>
+          </a:p>
+        </p:txBody>
+      </p:sp>
+      <p:sp>
+        <p:nvSpPr>
+          <p:cNvPr id="7" name="Content Placeholder 2">
+            <a:extLst>
+              <a:ext uri="{FF2B5EF4-FFF2-40B4-BE49-F238E27FC236}">
+                <a16:creationId xmlns:a16="http://schemas.microsoft.com/office/drawing/2014/main" id="{9E47608F-13B1-3D7F-4047-AEE4820C9B2A}"/>
+              </a:ext>
+            </a:extLst>
+          </p:cNvPr>
+          <p:cNvSpPr>
+            <a:spLocks noGrp="1"/>
+          </p:cNvSpPr>
+          <p:nvPr>
+            <p:ph idx="14"/>
+          </p:nvPr>
+        </p:nvSpPr>
+        <p:spPr>
+          <a:xfrm>
+            <a:off x="4042231" y="6788002"/>
+            <a:ext cx="3147241" cy="2738956"/>
+          </a:xfrm>
+        </p:spPr>
+        <p:txBody>
+          <a:bodyPr/>
+          <a:lstStyle/>
+          <a:p>
+            <a:endParaRPr lang="en-US" dirty="0"/>
+          </a:p>
+        </p:txBody>
+      </p:sp>
+      <p:sp>
+        <p:nvSpPr>
+          <p:cNvPr id="11" name="Text Placeholder 6">
+            <a:extLst>
+              <a:ext uri="{FF2B5EF4-FFF2-40B4-BE49-F238E27FC236}">
+                <a16:creationId xmlns:a16="http://schemas.microsoft.com/office/drawing/2014/main" id="{B5FD5822-0245-E2B9-1DDA-821E3A6A97E6}"/>
+              </a:ext>
+            </a:extLst>
+          </p:cNvPr>
+          <p:cNvSpPr>
+            <a:spLocks noGrp="1"/>
+          </p:cNvSpPr>
+          <p:nvPr>
+            <p:ph type="body" sz="quarter" idx="17" hasCustomPrompt="1"/>
+          </p:nvPr>
+        </p:nvSpPr>
+        <p:spPr>
+          <a:xfrm>
+            <a:off x="582612" y="298450"/>
+            <a:ext cx="4003901" cy="485775"/>
+          </a:xfrm>
+        </p:spPr>
+        <p:txBody>
+          <a:bodyPr/>
+          <a:lstStyle>
+            <a:lvl1pPr marL="0" indent="0">
+              <a:buNone/>
+              <a:defRPr/>
+            </a:lvl1pPr>
+          </a:lstStyle>
+          <a:p>
+            <a:pPr lvl="0"/>
             <a:r>
-              <a:rPr lang="en-US" sz="2000" dirty="0">
-                <a:latin typeface="Arial Rounded MT Bold" panose="020F0704030504030204" pitchFamily="34" charset="77"/>
-              </a:rPr>
+              <a:rPr lang="en-US" dirty="0"/>
               <a:t>Classroom Name</a:t>
             </a:r>
-          </a:p>
-        </p:txBody>
-      </p:sp>
-      <p:sp>
-        <p:nvSpPr>
-          <p:cNvPr id="9" name="Content Placeholder 2">
-            <a:extLst>
-              <a:ext uri="{FF2B5EF4-FFF2-40B4-BE49-F238E27FC236}">
-                <a16:creationId xmlns:a16="http://schemas.microsoft.com/office/drawing/2014/main" id="{80577908-5466-B2A5-D1A7-0D4D0D08F4F7}"/>
-              </a:ext>
-            </a:extLst>
-          </p:cNvPr>
-          <p:cNvSpPr>
-            <a:spLocks noGrp="1"/>
-          </p:cNvSpPr>
-          <p:nvPr>
-            <p:ph idx="11"/>
-          </p:nvPr>
-        </p:nvSpPr>
-        <p:spPr>
-          <a:xfrm>
-            <a:off x="582930" y="3923101"/>
-            <a:ext cx="3147241" cy="2738956"/>
-          </a:xfrm>
-        </p:spPr>
-        <p:txBody>
-          <a:bodyPr/>
-          <a:lstStyle/>
-          <a:p>
-            <a:endParaRPr lang="en-US" dirty="0"/>
-          </a:p>
-        </p:txBody>
-      </p:sp>
-      <p:sp>
-        <p:nvSpPr>
-          <p:cNvPr id="5" name="Content Placeholder 2">
-            <a:extLst>
-              <a:ext uri="{FF2B5EF4-FFF2-40B4-BE49-F238E27FC236}">
-                <a16:creationId xmlns:a16="http://schemas.microsoft.com/office/drawing/2014/main" id="{4A8E37A1-963E-7C0F-F9D1-D28C3DF8538E}"/>
-              </a:ext>
-            </a:extLst>
-          </p:cNvPr>
-          <p:cNvSpPr>
-            <a:spLocks noGrp="1"/>
-          </p:cNvSpPr>
-          <p:nvPr>
-            <p:ph idx="12"/>
-          </p:nvPr>
-        </p:nvSpPr>
-        <p:spPr>
-          <a:xfrm>
-            <a:off x="4042231" y="3923101"/>
-            <a:ext cx="3147241" cy="2738956"/>
-          </a:xfrm>
-        </p:spPr>
-        <p:txBody>
-          <a:bodyPr/>
-          <a:lstStyle/>
-          <a:p>
-            <a:endParaRPr lang="en-US" dirty="0"/>
-          </a:p>
-        </p:txBody>
-      </p:sp>
-      <p:sp>
-        <p:nvSpPr>
-          <p:cNvPr id="6" name="Content Placeholder 2">
-            <a:extLst>
-              <a:ext uri="{FF2B5EF4-FFF2-40B4-BE49-F238E27FC236}">
-                <a16:creationId xmlns:a16="http://schemas.microsoft.com/office/drawing/2014/main" id="{DE3313E0-7791-8AE2-3ABE-CEF2301B75B2}"/>
-              </a:ext>
-            </a:extLst>
-          </p:cNvPr>
-          <p:cNvSpPr>
-            <a:spLocks noGrp="1"/>
-          </p:cNvSpPr>
-          <p:nvPr>
-            <p:ph idx="13"/>
-          </p:nvPr>
-        </p:nvSpPr>
-        <p:spPr>
-          <a:xfrm>
-            <a:off x="582930" y="6788002"/>
-            <a:ext cx="3147241" cy="2738956"/>
-          </a:xfrm>
-        </p:spPr>
-        <p:txBody>
-          <a:bodyPr/>
-          <a:lstStyle/>
-          <a:p>
-            <a:endParaRPr lang="en-US" dirty="0"/>
-          </a:p>
-        </p:txBody>
-      </p:sp>
-      <p:sp>
-        <p:nvSpPr>
-          <p:cNvPr id="7" name="Content Placeholder 2">
-            <a:extLst>
-              <a:ext uri="{FF2B5EF4-FFF2-40B4-BE49-F238E27FC236}">
-                <a16:creationId xmlns:a16="http://schemas.microsoft.com/office/drawing/2014/main" id="{9E47608F-13B1-3D7F-4047-AEE4820C9B2A}"/>
-              </a:ext>
-            </a:extLst>
-          </p:cNvPr>
-          <p:cNvSpPr>
-            <a:spLocks noGrp="1"/>
-          </p:cNvSpPr>
-          <p:nvPr>
-            <p:ph idx="14"/>
-          </p:nvPr>
-        </p:nvSpPr>
-        <p:spPr>
-          <a:xfrm>
-            <a:off x="4042231" y="6788002"/>
-            <a:ext cx="3147241" cy="2738956"/>
-          </a:xfrm>
-        </p:spPr>
-        <p:txBody>
-          <a:bodyPr/>
-          <a:lstStyle/>
-          <a:p>
-            <a:endParaRPr lang="en-US" dirty="0"/>
           </a:p>
         </p:txBody>
       </p:sp>
@@ -1000,163 +994,160 @@
       </p:sp>
       <p:sp>
         <p:nvSpPr>
-          <p:cNvPr id="8" name="TextBox 7">
-            <a:extLst>
-              <a:ext uri="{FF2B5EF4-FFF2-40B4-BE49-F238E27FC236}">
-                <a16:creationId xmlns:a16="http://schemas.microsoft.com/office/drawing/2014/main" id="{EE0A4254-D5BC-E4D7-CDE2-2FAF2F7752E0}"/>
-              </a:ext>
-            </a:extLst>
-          </p:cNvPr>
-          <p:cNvSpPr txBox="1"/>
-          <p:nvPr userDrawn="1"/>
-        </p:nvSpPr>
-        <p:spPr>
-          <a:xfrm>
-            <a:off x="331491" y="297876"/>
-            <a:ext cx="2585563" cy="400110"/>
-          </a:xfrm>
-          <a:prstGeom prst="rect">
-            <a:avLst/>
-          </a:prstGeom>
-          <a:noFill/>
-          <a:ln>
-            <a:solidFill>
-              <a:schemeClr val="tx1"/>
-            </a:solidFill>
-          </a:ln>
-        </p:spPr>
-        <p:txBody>
-          <a:bodyPr wrap="square" rtlCol="0">
-            <a:spAutoFit/>
-          </a:bodyPr>
-          <a:lstStyle/>
-          <a:p>
+          <p:cNvPr id="5" name="Content Placeholder 2">
+            <a:extLst>
+              <a:ext uri="{FF2B5EF4-FFF2-40B4-BE49-F238E27FC236}">
+                <a16:creationId xmlns:a16="http://schemas.microsoft.com/office/drawing/2014/main" id="{4A8E37A1-963E-7C0F-F9D1-D28C3DF8538E}"/>
+              </a:ext>
+            </a:extLst>
+          </p:cNvPr>
+          <p:cNvSpPr>
+            <a:spLocks noGrp="1"/>
+          </p:cNvSpPr>
+          <p:nvPr>
+            <p:ph idx="12"/>
+          </p:nvPr>
+        </p:nvSpPr>
+        <p:spPr>
+          <a:xfrm>
+            <a:off x="2917054" y="2577514"/>
+            <a:ext cx="4272416" cy="1994485"/>
+          </a:xfrm>
+        </p:spPr>
+        <p:txBody>
+          <a:bodyPr/>
+          <a:lstStyle/>
+          <a:p>
+            <a:endParaRPr lang="en-US" dirty="0"/>
+          </a:p>
+        </p:txBody>
+      </p:sp>
+      <p:sp>
+        <p:nvSpPr>
+          <p:cNvPr id="6" name="Content Placeholder 2">
+            <a:extLst>
+              <a:ext uri="{FF2B5EF4-FFF2-40B4-BE49-F238E27FC236}">
+                <a16:creationId xmlns:a16="http://schemas.microsoft.com/office/drawing/2014/main" id="{DE3313E0-7791-8AE2-3ABE-CEF2301B75B2}"/>
+              </a:ext>
+            </a:extLst>
+          </p:cNvPr>
+          <p:cNvSpPr>
+            <a:spLocks noGrp="1"/>
+          </p:cNvSpPr>
+          <p:nvPr>
+            <p:ph idx="13"/>
+          </p:nvPr>
+        </p:nvSpPr>
+        <p:spPr>
+          <a:xfrm>
+            <a:off x="582930" y="7082970"/>
+            <a:ext cx="3147241" cy="2443987"/>
+          </a:xfrm>
+        </p:spPr>
+        <p:txBody>
+          <a:bodyPr/>
+          <a:lstStyle/>
+          <a:p>
+            <a:endParaRPr lang="en-US" dirty="0"/>
+          </a:p>
+        </p:txBody>
+      </p:sp>
+      <p:sp>
+        <p:nvSpPr>
+          <p:cNvPr id="7" name="Content Placeholder 2">
+            <a:extLst>
+              <a:ext uri="{FF2B5EF4-FFF2-40B4-BE49-F238E27FC236}">
+                <a16:creationId xmlns:a16="http://schemas.microsoft.com/office/drawing/2014/main" id="{9E47608F-13B1-3D7F-4047-AEE4820C9B2A}"/>
+              </a:ext>
+            </a:extLst>
+          </p:cNvPr>
+          <p:cNvSpPr>
+            <a:spLocks noGrp="1"/>
+          </p:cNvSpPr>
+          <p:nvPr>
+            <p:ph idx="14"/>
+          </p:nvPr>
+        </p:nvSpPr>
+        <p:spPr>
+          <a:xfrm>
+            <a:off x="4042231" y="7082970"/>
+            <a:ext cx="3147241" cy="2443987"/>
+          </a:xfrm>
+        </p:spPr>
+        <p:txBody>
+          <a:bodyPr/>
+          <a:lstStyle/>
+          <a:p>
+            <a:endParaRPr lang="en-US" dirty="0"/>
+          </a:p>
+        </p:txBody>
+      </p:sp>
+      <p:sp>
+        <p:nvSpPr>
+          <p:cNvPr id="10" name="Content Placeholder 2">
+            <a:extLst>
+              <a:ext uri="{FF2B5EF4-FFF2-40B4-BE49-F238E27FC236}">
+                <a16:creationId xmlns:a16="http://schemas.microsoft.com/office/drawing/2014/main" id="{906E8E84-7D96-1D2A-81D7-1B4054A9531E}"/>
+              </a:ext>
+            </a:extLst>
+          </p:cNvPr>
+          <p:cNvSpPr>
+            <a:spLocks noGrp="1"/>
+          </p:cNvSpPr>
+          <p:nvPr>
+            <p:ph idx="15"/>
+          </p:nvPr>
+        </p:nvSpPr>
+        <p:spPr>
+          <a:xfrm>
+            <a:off x="2917054" y="4721835"/>
+            <a:ext cx="4272416" cy="1994485"/>
+          </a:xfrm>
+        </p:spPr>
+        <p:txBody>
+          <a:bodyPr/>
+          <a:lstStyle/>
+          <a:p>
+            <a:endParaRPr lang="en-US" dirty="0"/>
+          </a:p>
+        </p:txBody>
+      </p:sp>
+      <p:sp>
+        <p:nvSpPr>
+          <p:cNvPr id="11" name="Text Placeholder 6">
+            <a:extLst>
+              <a:ext uri="{FF2B5EF4-FFF2-40B4-BE49-F238E27FC236}">
+                <a16:creationId xmlns:a16="http://schemas.microsoft.com/office/drawing/2014/main" id="{C9F49AD6-A852-C703-A9D5-54611EDE8A9E}"/>
+              </a:ext>
+            </a:extLst>
+          </p:cNvPr>
+          <p:cNvSpPr>
+            <a:spLocks noGrp="1"/>
+          </p:cNvSpPr>
+          <p:nvPr>
+            <p:ph type="body" sz="quarter" idx="17" hasCustomPrompt="1"/>
+          </p:nvPr>
+        </p:nvSpPr>
+        <p:spPr>
+          <a:xfrm>
+            <a:off x="582612" y="298450"/>
+            <a:ext cx="4003901" cy="485775"/>
+          </a:xfrm>
+        </p:spPr>
+        <p:txBody>
+          <a:bodyPr/>
+          <a:lstStyle>
+            <a:lvl1pPr marL="0" indent="0">
+              <a:buNone/>
+              <a:defRPr/>
+            </a:lvl1pPr>
+          </a:lstStyle>
+          <a:p>
+            <a:pPr lvl="0"/>
             <a:r>
-              <a:rPr lang="en-US" sz="2000" dirty="0">
-                <a:latin typeface="Arial Rounded MT Bold" panose="020F0704030504030204" pitchFamily="34" charset="77"/>
-              </a:rPr>
+              <a:rPr lang="en-US" dirty="0"/>
               <a:t>Classroom Name</a:t>
             </a:r>
-          </a:p>
-        </p:txBody>
-      </p:sp>
-      <p:sp>
-        <p:nvSpPr>
-          <p:cNvPr id="5" name="Content Placeholder 2">
-            <a:extLst>
-              <a:ext uri="{FF2B5EF4-FFF2-40B4-BE49-F238E27FC236}">
-                <a16:creationId xmlns:a16="http://schemas.microsoft.com/office/drawing/2014/main" id="{4A8E37A1-963E-7C0F-F9D1-D28C3DF8538E}"/>
-              </a:ext>
-            </a:extLst>
-          </p:cNvPr>
-          <p:cNvSpPr>
-            <a:spLocks noGrp="1"/>
-          </p:cNvSpPr>
-          <p:nvPr>
-            <p:ph idx="12"/>
-          </p:nvPr>
-        </p:nvSpPr>
-        <p:spPr>
-          <a:xfrm>
-            <a:off x="2917054" y="2577514"/>
-            <a:ext cx="4272416" cy="1994485"/>
-          </a:xfrm>
-        </p:spPr>
-        <p:txBody>
-          <a:bodyPr/>
-          <a:lstStyle/>
-          <a:p>
-            <a:endParaRPr lang="en-US" dirty="0"/>
-          </a:p>
-        </p:txBody>
-      </p:sp>
-      <p:sp>
-        <p:nvSpPr>
-          <p:cNvPr id="6" name="Content Placeholder 2">
-            <a:extLst>
-              <a:ext uri="{FF2B5EF4-FFF2-40B4-BE49-F238E27FC236}">
-                <a16:creationId xmlns:a16="http://schemas.microsoft.com/office/drawing/2014/main" id="{DE3313E0-7791-8AE2-3ABE-CEF2301B75B2}"/>
-              </a:ext>
-            </a:extLst>
-          </p:cNvPr>
-          <p:cNvSpPr>
-            <a:spLocks noGrp="1"/>
-          </p:cNvSpPr>
-          <p:nvPr>
-            <p:ph idx="13"/>
-          </p:nvPr>
-        </p:nvSpPr>
-        <p:spPr>
-          <a:xfrm>
-            <a:off x="582930" y="7082970"/>
-            <a:ext cx="3147241" cy="2443987"/>
-          </a:xfrm>
-        </p:spPr>
-        <p:txBody>
-          <a:bodyPr/>
-          <a:lstStyle/>
-          <a:p>
-            <a:endParaRPr lang="en-US" dirty="0"/>
-          </a:p>
-        </p:txBody>
-      </p:sp>
-      <p:sp>
-        <p:nvSpPr>
-          <p:cNvPr id="7" name="Content Placeholder 2">
-            <a:extLst>
-              <a:ext uri="{FF2B5EF4-FFF2-40B4-BE49-F238E27FC236}">
-                <a16:creationId xmlns:a16="http://schemas.microsoft.com/office/drawing/2014/main" id="{9E47608F-13B1-3D7F-4047-AEE4820C9B2A}"/>
-              </a:ext>
-            </a:extLst>
-          </p:cNvPr>
-          <p:cNvSpPr>
-            <a:spLocks noGrp="1"/>
-          </p:cNvSpPr>
-          <p:nvPr>
-            <p:ph idx="14"/>
-          </p:nvPr>
-        </p:nvSpPr>
-        <p:spPr>
-          <a:xfrm>
-            <a:off x="4042231" y="7082970"/>
-            <a:ext cx="3147241" cy="2443987"/>
-          </a:xfrm>
-        </p:spPr>
-        <p:txBody>
-          <a:bodyPr/>
-          <a:lstStyle/>
-          <a:p>
-            <a:endParaRPr lang="en-US" dirty="0"/>
-          </a:p>
-        </p:txBody>
-      </p:sp>
-      <p:sp>
-        <p:nvSpPr>
-          <p:cNvPr id="10" name="Content Placeholder 2">
-            <a:extLst>
-              <a:ext uri="{FF2B5EF4-FFF2-40B4-BE49-F238E27FC236}">
-                <a16:creationId xmlns:a16="http://schemas.microsoft.com/office/drawing/2014/main" id="{906E8E84-7D96-1D2A-81D7-1B4054A9531E}"/>
-              </a:ext>
-            </a:extLst>
-          </p:cNvPr>
-          <p:cNvSpPr>
-            <a:spLocks noGrp="1"/>
-          </p:cNvSpPr>
-          <p:nvPr>
-            <p:ph idx="15"/>
-          </p:nvPr>
-        </p:nvSpPr>
-        <p:spPr>
-          <a:xfrm>
-            <a:off x="2917054" y="4721835"/>
-            <a:ext cx="4272416" cy="1994485"/>
-          </a:xfrm>
-        </p:spPr>
-        <p:txBody>
-          <a:bodyPr/>
-          <a:lstStyle/>
-          <a:p>
-            <a:endParaRPr lang="en-US" dirty="0"/>
           </a:p>
         </p:txBody>
       </p:sp>
@@ -1319,12 +1310,14 @@
                     <a:tint val="75000"/>
                   </a:schemeClr>
                 </a:solidFill>
+                <a:latin typeface="Arial Rounded MT Bold" panose="020F0704030504030204" pitchFamily="34" charset="77"/>
               </a:defRPr>
             </a:lvl1pPr>
           </a:lstStyle>
           <a:p>
             <a:fld id="{52CF2B50-D0C5-0C49-BA92-F1D93CD2771E}" type="datetimeFigureOut">
               <a:rPr lang="en-US" smtClean="0"/>
+              <a:pPr/>
               <a:t>2/14/24</a:t>
             </a:fld>
             <a:endParaRPr lang="en-US"/>
@@ -1360,6 +1353,7 @@
                     <a:tint val="75000"/>
                   </a:schemeClr>
                 </a:solidFill>
+                <a:latin typeface="Arial Rounded MT Bold" panose="020F0704030504030204" pitchFamily="34" charset="77"/>
               </a:defRPr>
             </a:lvl1pPr>
           </a:lstStyle>
@@ -1397,12 +1391,14 @@
                     <a:tint val="75000"/>
                   </a:schemeClr>
                 </a:solidFill>
+                <a:latin typeface="Arial Rounded MT Bold" panose="020F0704030504030204" pitchFamily="34" charset="77"/>
               </a:defRPr>
             </a:lvl1pPr>
           </a:lstStyle>
           <a:p>
             <a:fld id="{FDB4B60A-C9EC-AA4D-BE38-EAA23D61B298}" type="slidenum">
               <a:rPr lang="en-US" smtClean="0"/>
+              <a:pPr/>
               <a:t>‹#›</a:t>
             </a:fld>
             <a:endParaRPr lang="en-US"/>
@@ -1436,7 +1432,7 @@
           <a:solidFill>
             <a:schemeClr val="tx1"/>
           </a:solidFill>
-          <a:latin typeface="+mj-lt"/>
+          <a:latin typeface="Arial Rounded MT Bold" panose="020F0704030504030204" pitchFamily="34" charset="77"/>
           <a:ea typeface="+mj-ea"/>
           <a:cs typeface="+mj-cs"/>
         </a:defRPr>
@@ -1456,7 +1452,7 @@
           <a:solidFill>
             <a:schemeClr val="tx1"/>
           </a:solidFill>
-          <a:latin typeface="+mn-lt"/>
+          <a:latin typeface="Arial Rounded MT Bold" panose="020F0704030504030204" pitchFamily="34" charset="77"/>
           <a:ea typeface="+mn-ea"/>
           <a:cs typeface="+mn-cs"/>
         </a:defRPr>
@@ -1474,7 +1470,7 @@
           <a:solidFill>
             <a:schemeClr val="tx1"/>
           </a:solidFill>
-          <a:latin typeface="+mn-lt"/>
+          <a:latin typeface="Arial Rounded MT Bold" panose="020F0704030504030204" pitchFamily="34" charset="77"/>
           <a:ea typeface="+mn-ea"/>
           <a:cs typeface="+mn-cs"/>
         </a:defRPr>
@@ -1492,7 +1488,7 @@
           <a:solidFill>
             <a:schemeClr val="tx1"/>
           </a:solidFill>
-          <a:latin typeface="+mn-lt"/>
+          <a:latin typeface="Arial Rounded MT Bold" panose="020F0704030504030204" pitchFamily="34" charset="77"/>
           <a:ea typeface="+mn-ea"/>
           <a:cs typeface="+mn-cs"/>
         </a:defRPr>
@@ -1510,7 +1506,7 @@
           <a:solidFill>
             <a:schemeClr val="tx1"/>
           </a:solidFill>
-          <a:latin typeface="+mn-lt"/>
+          <a:latin typeface="Arial Rounded MT Bold" panose="020F0704030504030204" pitchFamily="34" charset="77"/>
           <a:ea typeface="+mn-ea"/>
           <a:cs typeface="+mn-cs"/>
         </a:defRPr>
@@ -1528,7 +1524,7 @@
           <a:solidFill>
             <a:schemeClr val="tx1"/>
           </a:solidFill>
-          <a:latin typeface="+mn-lt"/>
+          <a:latin typeface="Arial Rounded MT Bold" panose="020F0704030504030204" pitchFamily="34" charset="77"/>
           <a:ea typeface="+mn-ea"/>
           <a:cs typeface="+mn-cs"/>
         </a:defRPr>
@@ -1727,7 +1723,7 @@
           <p:cNvPr id="2" name="Title 1">
             <a:extLst>
               <a:ext uri="{FF2B5EF4-FFF2-40B4-BE49-F238E27FC236}">
-                <a16:creationId xmlns:a16="http://schemas.microsoft.com/office/drawing/2014/main" id="{12DB9947-48A8-02E2-9C8F-3631D1B36305}"/>
+                <a16:creationId xmlns:a16="http://schemas.microsoft.com/office/drawing/2014/main" id="{6343C4E8-AC6D-7204-3EAD-8DC2CDE67757}"/>
               </a:ext>
             </a:extLst>
           </p:cNvPr>
@@ -1752,7 +1748,7 @@
           <p:cNvPr id="3" name="Subtitle 2">
             <a:extLst>
               <a:ext uri="{FF2B5EF4-FFF2-40B4-BE49-F238E27FC236}">
-                <a16:creationId xmlns:a16="http://schemas.microsoft.com/office/drawing/2014/main" id="{ECAF50CB-5655-17C9-B611-D4FFD52EC014}"/>
+                <a16:creationId xmlns:a16="http://schemas.microsoft.com/office/drawing/2014/main" id="{BE57D890-C394-79FF-A23C-B38DC8437EC9}"/>
               </a:ext>
             </a:extLst>
           </p:cNvPr>
@@ -1777,7 +1773,7 @@
           <p:cNvPr id="4" name="Content Placeholder 3">
             <a:extLst>
               <a:ext uri="{FF2B5EF4-FFF2-40B4-BE49-F238E27FC236}">
-                <a16:creationId xmlns:a16="http://schemas.microsoft.com/office/drawing/2014/main" id="{2EDFFF42-33A6-1ECF-9587-A41D42658751}"/>
+                <a16:creationId xmlns:a16="http://schemas.microsoft.com/office/drawing/2014/main" id="{774A810A-3B19-BCFF-03CC-D9BE4FB0E2C3}"/>
               </a:ext>
             </a:extLst>
           </p:cNvPr>
@@ -1802,7 +1798,7 @@
           <p:cNvPr id="5" name="Content Placeholder 4">
             <a:extLst>
               <a:ext uri="{FF2B5EF4-FFF2-40B4-BE49-F238E27FC236}">
-                <a16:creationId xmlns:a16="http://schemas.microsoft.com/office/drawing/2014/main" id="{B931B01F-58DE-9E72-75FE-82B84C35DA84}"/>
+                <a16:creationId xmlns:a16="http://schemas.microsoft.com/office/drawing/2014/main" id="{F4571693-8789-0FA4-5914-F6CE187FF0A3}"/>
               </a:ext>
             </a:extLst>
           </p:cNvPr>
@@ -1827,7 +1823,7 @@
           <p:cNvPr id="6" name="Content Placeholder 5">
             <a:extLst>
               <a:ext uri="{FF2B5EF4-FFF2-40B4-BE49-F238E27FC236}">
-                <a16:creationId xmlns:a16="http://schemas.microsoft.com/office/drawing/2014/main" id="{443D8AC2-E42E-FBBE-D78F-60071247746A}"/>
+                <a16:creationId xmlns:a16="http://schemas.microsoft.com/office/drawing/2014/main" id="{83E06264-3745-C25A-22CE-1FC425006837}"/>
               </a:ext>
             </a:extLst>
           </p:cNvPr>
@@ -1852,7 +1848,7 @@
           <p:cNvPr id="7" name="Content Placeholder 6">
             <a:extLst>
               <a:ext uri="{FF2B5EF4-FFF2-40B4-BE49-F238E27FC236}">
-                <a16:creationId xmlns:a16="http://schemas.microsoft.com/office/drawing/2014/main" id="{168E81E5-66D0-0DCE-186C-1A787FE37266}"/>
+                <a16:creationId xmlns:a16="http://schemas.microsoft.com/office/drawing/2014/main" id="{6C32FCCA-35CC-5F38-DEA4-C81F78AFC4F2}"/>
               </a:ext>
             </a:extLst>
           </p:cNvPr>
@@ -1877,7 +1873,7 @@
           <p:cNvPr id="8" name="Content Placeholder 7">
             <a:extLst>
               <a:ext uri="{FF2B5EF4-FFF2-40B4-BE49-F238E27FC236}">
-                <a16:creationId xmlns:a16="http://schemas.microsoft.com/office/drawing/2014/main" id="{9F363E46-B148-2C4F-20E0-FA13900367C0}"/>
+                <a16:creationId xmlns:a16="http://schemas.microsoft.com/office/drawing/2014/main" id="{85BAF29C-1C08-5CC5-3EEE-935665CC6B90}"/>
               </a:ext>
             </a:extLst>
           </p:cNvPr>
@@ -1902,7 +1898,7 @@
           <p:cNvPr id="9" name="Content Placeholder 8">
             <a:extLst>
               <a:ext uri="{FF2B5EF4-FFF2-40B4-BE49-F238E27FC236}">
-                <a16:creationId xmlns:a16="http://schemas.microsoft.com/office/drawing/2014/main" id="{EE876CD7-963D-96A6-075C-6E0BB6ADC8E3}"/>
+                <a16:creationId xmlns:a16="http://schemas.microsoft.com/office/drawing/2014/main" id="{F3C22887-1660-A93C-E31E-DE8ACFD65460}"/>
               </a:ext>
             </a:extLst>
           </p:cNvPr>
@@ -1911,6 +1907,31 @@
           </p:cNvSpPr>
           <p:nvPr>
             <p:ph idx="16"/>
+          </p:nvPr>
+        </p:nvSpPr>
+        <p:spPr/>
+        <p:txBody>
+          <a:bodyPr/>
+          <a:lstStyle/>
+          <a:p>
+            <a:endParaRPr lang="en-US"/>
+          </a:p>
+        </p:txBody>
+      </p:sp>
+      <p:sp>
+        <p:nvSpPr>
+          <p:cNvPr id="10" name="Text Placeholder 9">
+            <a:extLst>
+              <a:ext uri="{FF2B5EF4-FFF2-40B4-BE49-F238E27FC236}">
+                <a16:creationId xmlns:a16="http://schemas.microsoft.com/office/drawing/2014/main" id="{0B01F944-0472-7D2F-BA4C-731C21351CBF}"/>
+              </a:ext>
+            </a:extLst>
+          </p:cNvPr>
+          <p:cNvSpPr>
+            <a:spLocks noGrp="1"/>
+          </p:cNvSpPr>
+          <p:nvPr>
+            <p:ph type="body" sz="quarter" idx="17"/>
           </p:nvPr>
         </p:nvSpPr>
         <p:spPr/>
@@ -1925,7 +1946,7 @@
     </p:spTree>
     <p:extLst>
       <p:ext uri="{BB962C8B-B14F-4D97-AF65-F5344CB8AC3E}">
-        <p14:creationId xmlns:p14="http://schemas.microsoft.com/office/powerpoint/2010/main" val="1358254495"/>
+        <p14:creationId xmlns:p14="http://schemas.microsoft.com/office/powerpoint/2010/main" val="2437752054"/>
       </p:ext>
     </p:extLst>
   </p:cSld>
@@ -1957,7 +1978,7 @@
           <p:cNvPr id="2" name="Title 1">
             <a:extLst>
               <a:ext uri="{FF2B5EF4-FFF2-40B4-BE49-F238E27FC236}">
-                <a16:creationId xmlns:a16="http://schemas.microsoft.com/office/drawing/2014/main" id="{66263C6F-1A9D-F470-A49D-0B8C0455C14E}"/>
+                <a16:creationId xmlns:a16="http://schemas.microsoft.com/office/drawing/2014/main" id="{E0B2CF69-C74B-17A9-F1D0-F8D5460B96E3}"/>
               </a:ext>
             </a:extLst>
           </p:cNvPr>
@@ -1973,10 +1994,7 @@
           <a:bodyPr/>
           <a:lstStyle/>
           <a:p>
-            <a:r>
-              <a:rPr lang="en-US" dirty="0"/>
-              <a:t>Hello World</a:t>
-            </a:r>
+            <a:endParaRPr lang="en-US"/>
           </a:p>
         </p:txBody>
       </p:sp>
@@ -1985,7 +2003,7 @@
           <p:cNvPr id="3" name="Subtitle 2">
             <a:extLst>
               <a:ext uri="{FF2B5EF4-FFF2-40B4-BE49-F238E27FC236}">
-                <a16:creationId xmlns:a16="http://schemas.microsoft.com/office/drawing/2014/main" id="{37C9174A-D137-D085-C254-14EDBE2DFBBD}"/>
+                <a16:creationId xmlns:a16="http://schemas.microsoft.com/office/drawing/2014/main" id="{73911239-43D1-0024-E4C4-77350C0AD896}"/>
               </a:ext>
             </a:extLst>
           </p:cNvPr>
@@ -2001,133 +2019,139 @@
           <a:bodyPr/>
           <a:lstStyle/>
           <a:p>
-            <a:r>
-              <a:rPr lang="en-US" dirty="0"/>
-              <a:t>Insert standards here</a:t>
-            </a:r>
-          </a:p>
-        </p:txBody>
-      </p:sp>
-      <p:pic>
-        <p:nvPicPr>
-          <p:cNvPr id="9" name="Content Placeholder 8" descr="A group of cartoon characters&#10;&#10;Description automatically generated">
-            <a:extLst>
-              <a:ext uri="{FF2B5EF4-FFF2-40B4-BE49-F238E27FC236}">
-                <a16:creationId xmlns:a16="http://schemas.microsoft.com/office/drawing/2014/main" id="{A8421C98-E084-D837-A410-167FD784BBAB}"/>
-              </a:ext>
-            </a:extLst>
-          </p:cNvPr>
-          <p:cNvPicPr>
-            <a:picLocks noGrp="1" noChangeAspect="1"/>
-          </p:cNvPicPr>
+            <a:endParaRPr lang="en-US"/>
+          </a:p>
+        </p:txBody>
+      </p:sp>
+      <p:sp>
+        <p:nvSpPr>
+          <p:cNvPr id="4" name="Content Placeholder 3">
+            <a:extLst>
+              <a:ext uri="{FF2B5EF4-FFF2-40B4-BE49-F238E27FC236}">
+                <a16:creationId xmlns:a16="http://schemas.microsoft.com/office/drawing/2014/main" id="{403C919C-B97E-BE8E-3908-B402CF905039}"/>
+              </a:ext>
+            </a:extLst>
+          </p:cNvPr>
+          <p:cNvSpPr>
+            <a:spLocks noGrp="1"/>
+          </p:cNvSpPr>
           <p:nvPr>
             <p:ph idx="11"/>
           </p:nvPr>
-        </p:nvPicPr>
-        <p:blipFill>
-          <a:blip r:embed="rId2"/>
-          <a:stretch>
-            <a:fillRect/>
-          </a:stretch>
-        </p:blipFill>
-        <p:spPr>
-          <a:xfrm>
-            <a:off x="786606" y="3922713"/>
-            <a:ext cx="2740025" cy="2740025"/>
-          </a:xfrm>
-        </p:spPr>
-      </p:pic>
-      <p:pic>
-        <p:nvPicPr>
-          <p:cNvPr id="11" name="Content Placeholder 10" descr="A group of cartoon characters&#10;&#10;Description automatically generated">
-            <a:extLst>
-              <a:ext uri="{FF2B5EF4-FFF2-40B4-BE49-F238E27FC236}">
-                <a16:creationId xmlns:a16="http://schemas.microsoft.com/office/drawing/2014/main" id="{8F0EB0C4-DD6D-CF3C-9E4D-111C25F93174}"/>
-              </a:ext>
-            </a:extLst>
-          </p:cNvPr>
-          <p:cNvPicPr>
-            <a:picLocks noGrp="1" noChangeAspect="1"/>
-          </p:cNvPicPr>
+        </p:nvSpPr>
+        <p:spPr/>
+        <p:txBody>
+          <a:bodyPr/>
+          <a:lstStyle/>
+          <a:p>
+            <a:endParaRPr lang="en-US"/>
+          </a:p>
+        </p:txBody>
+      </p:sp>
+      <p:sp>
+        <p:nvSpPr>
+          <p:cNvPr id="5" name="Content Placeholder 4">
+            <a:extLst>
+              <a:ext uri="{FF2B5EF4-FFF2-40B4-BE49-F238E27FC236}">
+                <a16:creationId xmlns:a16="http://schemas.microsoft.com/office/drawing/2014/main" id="{63DF5B86-154B-7FCF-2BE9-B0517942CD7D}"/>
+              </a:ext>
+            </a:extLst>
+          </p:cNvPr>
+          <p:cNvSpPr>
+            <a:spLocks noGrp="1"/>
+          </p:cNvSpPr>
           <p:nvPr>
             <p:ph idx="12"/>
           </p:nvPr>
-        </p:nvPicPr>
-        <p:blipFill>
-          <a:blip r:embed="rId2"/>
-          <a:stretch>
-            <a:fillRect/>
-          </a:stretch>
-        </p:blipFill>
-        <p:spPr>
-          <a:xfrm>
-            <a:off x="4245769" y="3922713"/>
-            <a:ext cx="2740025" cy="2740025"/>
-          </a:xfrm>
-        </p:spPr>
-      </p:pic>
-      <p:pic>
-        <p:nvPicPr>
-          <p:cNvPr id="13" name="Content Placeholder 12" descr="A group of cartoon characters&#10;&#10;Description automatically generated">
-            <a:extLst>
-              <a:ext uri="{FF2B5EF4-FFF2-40B4-BE49-F238E27FC236}">
-                <a16:creationId xmlns:a16="http://schemas.microsoft.com/office/drawing/2014/main" id="{973DC78A-2838-8BCF-352A-10DCFEAA5BC1}"/>
-              </a:ext>
-            </a:extLst>
-          </p:cNvPr>
-          <p:cNvPicPr>
-            <a:picLocks noGrp="1" noChangeAspect="1"/>
-          </p:cNvPicPr>
+        </p:nvSpPr>
+        <p:spPr/>
+        <p:txBody>
+          <a:bodyPr/>
+          <a:lstStyle/>
+          <a:p>
+            <a:endParaRPr lang="en-US"/>
+          </a:p>
+        </p:txBody>
+      </p:sp>
+      <p:sp>
+        <p:nvSpPr>
+          <p:cNvPr id="6" name="Content Placeholder 5">
+            <a:extLst>
+              <a:ext uri="{FF2B5EF4-FFF2-40B4-BE49-F238E27FC236}">
+                <a16:creationId xmlns:a16="http://schemas.microsoft.com/office/drawing/2014/main" id="{8A01A5FA-18D1-1CB3-0632-3BFA832FF896}"/>
+              </a:ext>
+            </a:extLst>
+          </p:cNvPr>
+          <p:cNvSpPr>
+            <a:spLocks noGrp="1"/>
+          </p:cNvSpPr>
           <p:nvPr>
             <p:ph idx="13"/>
           </p:nvPr>
-        </p:nvPicPr>
-        <p:blipFill>
-          <a:blip r:embed="rId2"/>
-          <a:stretch>
-            <a:fillRect/>
-          </a:stretch>
-        </p:blipFill>
-        <p:spPr>
-          <a:xfrm>
-            <a:off x="787400" y="6788150"/>
-            <a:ext cx="2738438" cy="2738438"/>
-          </a:xfrm>
-        </p:spPr>
-      </p:pic>
-      <p:pic>
-        <p:nvPicPr>
-          <p:cNvPr id="15" name="Content Placeholder 14" descr="A group of cartoon characters&#10;&#10;Description automatically generated">
-            <a:extLst>
-              <a:ext uri="{FF2B5EF4-FFF2-40B4-BE49-F238E27FC236}">
-                <a16:creationId xmlns:a16="http://schemas.microsoft.com/office/drawing/2014/main" id="{CA679289-2733-9C53-0FE6-F75D0E21EE61}"/>
-              </a:ext>
-            </a:extLst>
-          </p:cNvPr>
-          <p:cNvPicPr>
-            <a:picLocks noGrp="1" noChangeAspect="1"/>
-          </p:cNvPicPr>
+        </p:nvSpPr>
+        <p:spPr/>
+        <p:txBody>
+          <a:bodyPr/>
+          <a:lstStyle/>
+          <a:p>
+            <a:endParaRPr lang="en-US"/>
+          </a:p>
+        </p:txBody>
+      </p:sp>
+      <p:sp>
+        <p:nvSpPr>
+          <p:cNvPr id="7" name="Content Placeholder 6">
+            <a:extLst>
+              <a:ext uri="{FF2B5EF4-FFF2-40B4-BE49-F238E27FC236}">
+                <a16:creationId xmlns:a16="http://schemas.microsoft.com/office/drawing/2014/main" id="{2D6278BE-D0FC-F752-3D7A-264ACD941D5B}"/>
+              </a:ext>
+            </a:extLst>
+          </p:cNvPr>
+          <p:cNvSpPr>
+            <a:spLocks noGrp="1"/>
+          </p:cNvSpPr>
           <p:nvPr>
             <p:ph idx="14"/>
           </p:nvPr>
-        </p:nvPicPr>
-        <p:blipFill>
-          <a:blip r:embed="rId2"/>
-          <a:stretch>
-            <a:fillRect/>
-          </a:stretch>
-        </p:blipFill>
-        <p:spPr>
-          <a:xfrm>
-            <a:off x="4246562" y="6788150"/>
-            <a:ext cx="2738438" cy="2738438"/>
-          </a:xfrm>
-        </p:spPr>
-      </p:pic>
+        </p:nvSpPr>
+        <p:spPr/>
+        <p:txBody>
+          <a:bodyPr/>
+          <a:lstStyle/>
+          <a:p>
+            <a:endParaRPr lang="en-US"/>
+          </a:p>
+        </p:txBody>
+      </p:sp>
+      <p:sp>
+        <p:nvSpPr>
+          <p:cNvPr id="8" name="Text Placeholder 7">
+            <a:extLst>
+              <a:ext uri="{FF2B5EF4-FFF2-40B4-BE49-F238E27FC236}">
+                <a16:creationId xmlns:a16="http://schemas.microsoft.com/office/drawing/2014/main" id="{FAB26817-03CE-7735-EE14-7056D83920C0}"/>
+              </a:ext>
+            </a:extLst>
+          </p:cNvPr>
+          <p:cNvSpPr>
+            <a:spLocks noGrp="1"/>
+          </p:cNvSpPr>
+          <p:nvPr>
+            <p:ph type="body" sz="quarter" idx="17"/>
+          </p:nvPr>
+        </p:nvSpPr>
+        <p:spPr/>
+        <p:txBody>
+          <a:bodyPr/>
+          <a:lstStyle/>
+          <a:p>
+            <a:endParaRPr lang="en-US"/>
+          </a:p>
+        </p:txBody>
+      </p:sp>
     </p:spTree>
     <p:extLst>
       <p:ext uri="{BB962C8B-B14F-4D97-AF65-F5344CB8AC3E}">
-        <p14:creationId xmlns:p14="http://schemas.microsoft.com/office/powerpoint/2010/main" val="3354548143"/>
+        <p14:creationId xmlns:p14="http://schemas.microsoft.com/office/powerpoint/2010/main" val="895361298"/>
       </p:ext>
     </p:extLst>
   </p:cSld>
@@ -2159,7 +2183,7 @@
           <p:cNvPr id="2" name="Title 1">
             <a:extLst>
               <a:ext uri="{FF2B5EF4-FFF2-40B4-BE49-F238E27FC236}">
-                <a16:creationId xmlns:a16="http://schemas.microsoft.com/office/drawing/2014/main" id="{1E9CBC36-92A0-FFC8-BEE3-4891326F9B65}"/>
+                <a16:creationId xmlns:a16="http://schemas.microsoft.com/office/drawing/2014/main" id="{B347BE48-3EDC-5A23-A13F-203020D06465}"/>
               </a:ext>
             </a:extLst>
           </p:cNvPr>
@@ -2184,7 +2208,7 @@
           <p:cNvPr id="3" name="Subtitle 2">
             <a:extLst>
               <a:ext uri="{FF2B5EF4-FFF2-40B4-BE49-F238E27FC236}">
-                <a16:creationId xmlns:a16="http://schemas.microsoft.com/office/drawing/2014/main" id="{94519D5A-85DF-D566-0026-7FA8EB61A518}"/>
+                <a16:creationId xmlns:a16="http://schemas.microsoft.com/office/drawing/2014/main" id="{FDD877A4-156A-CF90-7FCB-0CD802B7859D}"/>
               </a:ext>
             </a:extLst>
           </p:cNvPr>
@@ -2209,7 +2233,7 @@
           <p:cNvPr id="4" name="Content Placeholder 3">
             <a:extLst>
               <a:ext uri="{FF2B5EF4-FFF2-40B4-BE49-F238E27FC236}">
-                <a16:creationId xmlns:a16="http://schemas.microsoft.com/office/drawing/2014/main" id="{E6651360-A028-92AD-2DF8-9BD2EC5E9CFB}"/>
+                <a16:creationId xmlns:a16="http://schemas.microsoft.com/office/drawing/2014/main" id="{D806E4CC-DE93-9717-AD73-9F38BF772668}"/>
               </a:ext>
             </a:extLst>
           </p:cNvPr>
@@ -2234,7 +2258,7 @@
           <p:cNvPr id="5" name="Content Placeholder 4">
             <a:extLst>
               <a:ext uri="{FF2B5EF4-FFF2-40B4-BE49-F238E27FC236}">
-                <a16:creationId xmlns:a16="http://schemas.microsoft.com/office/drawing/2014/main" id="{B4F6528D-B279-6118-26D2-5E39CA541BCA}"/>
+                <a16:creationId xmlns:a16="http://schemas.microsoft.com/office/drawing/2014/main" id="{D7F2BFC7-4BF7-B4EF-1862-F392E5C4E7BB}"/>
               </a:ext>
             </a:extLst>
           </p:cNvPr>
@@ -2259,7 +2283,7 @@
           <p:cNvPr id="6" name="Content Placeholder 5">
             <a:extLst>
               <a:ext uri="{FF2B5EF4-FFF2-40B4-BE49-F238E27FC236}">
-                <a16:creationId xmlns:a16="http://schemas.microsoft.com/office/drawing/2014/main" id="{9C262322-6081-6340-2B69-50A946153125}"/>
+                <a16:creationId xmlns:a16="http://schemas.microsoft.com/office/drawing/2014/main" id="{D0A0E505-932B-8823-EEA8-A3996133CDF5}"/>
               </a:ext>
             </a:extLst>
           </p:cNvPr>
@@ -2284,7 +2308,7 @@
           <p:cNvPr id="7" name="Content Placeholder 6">
             <a:extLst>
               <a:ext uri="{FF2B5EF4-FFF2-40B4-BE49-F238E27FC236}">
-                <a16:creationId xmlns:a16="http://schemas.microsoft.com/office/drawing/2014/main" id="{00027E11-CE92-12C9-F64D-797524DB171D}"/>
+                <a16:creationId xmlns:a16="http://schemas.microsoft.com/office/drawing/2014/main" id="{220462A3-E4F7-207B-7278-DC2487AF321C}"/>
               </a:ext>
             </a:extLst>
           </p:cNvPr>
@@ -2293,6 +2317,31 @@
           </p:cNvSpPr>
           <p:nvPr>
             <p:ph idx="15"/>
+          </p:nvPr>
+        </p:nvSpPr>
+        <p:spPr/>
+        <p:txBody>
+          <a:bodyPr/>
+          <a:lstStyle/>
+          <a:p>
+            <a:endParaRPr lang="en-US"/>
+          </a:p>
+        </p:txBody>
+      </p:sp>
+      <p:sp>
+        <p:nvSpPr>
+          <p:cNvPr id="8" name="Text Placeholder 7">
+            <a:extLst>
+              <a:ext uri="{FF2B5EF4-FFF2-40B4-BE49-F238E27FC236}">
+                <a16:creationId xmlns:a16="http://schemas.microsoft.com/office/drawing/2014/main" id="{66E7DE70-2668-9324-7880-C09F36A28D7C}"/>
+              </a:ext>
+            </a:extLst>
+          </p:cNvPr>
+          <p:cNvSpPr>
+            <a:spLocks noGrp="1"/>
+          </p:cNvSpPr>
+          <p:nvPr>
+            <p:ph type="body" sz="quarter" idx="17"/>
           </p:nvPr>
         </p:nvSpPr>
         <p:spPr/>
@@ -2307,7 +2356,7 @@
     </p:spTree>
     <p:extLst>
       <p:ext uri="{BB962C8B-B14F-4D97-AF65-F5344CB8AC3E}">
-        <p14:creationId xmlns:p14="http://schemas.microsoft.com/office/powerpoint/2010/main" val="1157660684"/>
+        <p14:creationId xmlns:p14="http://schemas.microsoft.com/office/powerpoint/2010/main" val="2295017900"/>
       </p:ext>
     </p:extLst>
   </p:cSld>
